--- a/AWS/AWS-Cost_Optimization.pptx
+++ b/AWS/AWS-Cost_Optimization.pptx
@@ -209,7 +209,7 @@
           <a:p>
             <a:fld id="{34C307C2-D910-4122-9388-FE9DC4B9E077}" type="datetimeFigureOut">
               <a:rPr lang="en-IN" smtClean="0"/>
-              <a:t>11-12-2025</a:t>
+              <a:t>13-12-2025</a:t>
             </a:fld>
             <a:endParaRPr lang="en-IN"/>
           </a:p>
@@ -1810,7 +1810,7 @@
           <a:p>
             <a:fld id="{80B77DFC-8711-4557-8CA1-4C836922276B}" type="datetimeFigureOut">
               <a:rPr lang="en-IN" smtClean="0"/>
-              <a:t>11-12-2025</a:t>
+              <a:t>13-12-2025</a:t>
             </a:fld>
             <a:endParaRPr lang="en-IN"/>
           </a:p>
@@ -2010,7 +2010,7 @@
           <a:p>
             <a:fld id="{80B77DFC-8711-4557-8CA1-4C836922276B}" type="datetimeFigureOut">
               <a:rPr lang="en-IN" smtClean="0"/>
-              <a:t>11-12-2025</a:t>
+              <a:t>13-12-2025</a:t>
             </a:fld>
             <a:endParaRPr lang="en-IN"/>
           </a:p>
@@ -2220,7 +2220,7 @@
           <a:p>
             <a:fld id="{80B77DFC-8711-4557-8CA1-4C836922276B}" type="datetimeFigureOut">
               <a:rPr lang="en-IN" smtClean="0"/>
-              <a:t>11-12-2025</a:t>
+              <a:t>13-12-2025</a:t>
             </a:fld>
             <a:endParaRPr lang="en-IN"/>
           </a:p>
@@ -2420,7 +2420,7 @@
           <a:p>
             <a:fld id="{80B77DFC-8711-4557-8CA1-4C836922276B}" type="datetimeFigureOut">
               <a:rPr lang="en-IN" smtClean="0"/>
-              <a:t>11-12-2025</a:t>
+              <a:t>13-12-2025</a:t>
             </a:fld>
             <a:endParaRPr lang="en-IN"/>
           </a:p>
@@ -2696,7 +2696,7 @@
           <a:p>
             <a:fld id="{80B77DFC-8711-4557-8CA1-4C836922276B}" type="datetimeFigureOut">
               <a:rPr lang="en-IN" smtClean="0"/>
-              <a:t>11-12-2025</a:t>
+              <a:t>13-12-2025</a:t>
             </a:fld>
             <a:endParaRPr lang="en-IN"/>
           </a:p>
@@ -2964,7 +2964,7 @@
           <a:p>
             <a:fld id="{80B77DFC-8711-4557-8CA1-4C836922276B}" type="datetimeFigureOut">
               <a:rPr lang="en-IN" smtClean="0"/>
-              <a:t>11-12-2025</a:t>
+              <a:t>13-12-2025</a:t>
             </a:fld>
             <a:endParaRPr lang="en-IN"/>
           </a:p>
@@ -3379,7 +3379,7 @@
           <a:p>
             <a:fld id="{80B77DFC-8711-4557-8CA1-4C836922276B}" type="datetimeFigureOut">
               <a:rPr lang="en-IN" smtClean="0"/>
-              <a:t>11-12-2025</a:t>
+              <a:t>13-12-2025</a:t>
             </a:fld>
             <a:endParaRPr lang="en-IN"/>
           </a:p>
@@ -3521,7 +3521,7 @@
           <a:p>
             <a:fld id="{80B77DFC-8711-4557-8CA1-4C836922276B}" type="datetimeFigureOut">
               <a:rPr lang="en-IN" smtClean="0"/>
-              <a:t>11-12-2025</a:t>
+              <a:t>13-12-2025</a:t>
             </a:fld>
             <a:endParaRPr lang="en-IN"/>
           </a:p>
@@ -3634,7 +3634,7 @@
           <a:p>
             <a:fld id="{80B77DFC-8711-4557-8CA1-4C836922276B}" type="datetimeFigureOut">
               <a:rPr lang="en-IN" smtClean="0"/>
-              <a:t>11-12-2025</a:t>
+              <a:t>13-12-2025</a:t>
             </a:fld>
             <a:endParaRPr lang="en-IN"/>
           </a:p>
@@ -3947,7 +3947,7 @@
           <a:p>
             <a:fld id="{80B77DFC-8711-4557-8CA1-4C836922276B}" type="datetimeFigureOut">
               <a:rPr lang="en-IN" smtClean="0"/>
-              <a:t>11-12-2025</a:t>
+              <a:t>13-12-2025</a:t>
             </a:fld>
             <a:endParaRPr lang="en-IN"/>
           </a:p>
@@ -4236,7 +4236,7 @@
           <a:p>
             <a:fld id="{80B77DFC-8711-4557-8CA1-4C836922276B}" type="datetimeFigureOut">
               <a:rPr lang="en-IN" smtClean="0"/>
-              <a:t>11-12-2025</a:t>
+              <a:t>13-12-2025</a:t>
             </a:fld>
             <a:endParaRPr lang="en-IN"/>
           </a:p>
@@ -4479,7 +4479,7 @@
           <a:p>
             <a:fld id="{80B77DFC-8711-4557-8CA1-4C836922276B}" type="datetimeFigureOut">
               <a:rPr lang="en-IN" smtClean="0"/>
-              <a:t>11-12-2025</a:t>
+              <a:t>13-12-2025</a:t>
             </a:fld>
             <a:endParaRPr lang="en-IN"/>
           </a:p>
@@ -6213,7 +6213,7 @@
             </a:pPr>
             <a:r>
               <a:rPr lang="en-US" sz="1400" dirty="0"/>
-              <a:t>Memory: 20 GB used</a:t>
+              <a:t>Memory: 16 GB used</a:t>
             </a:r>
           </a:p>
           <a:p>
@@ -10010,7 +10010,7 @@
             </a:pPr>
             <a:r>
               <a:rPr lang="en-US" sz="1400" dirty="0"/>
-              <a:t>2-minute warning via EC2 metadata endpoint (169.254,169.254) or via CloudWatch event </a:t>
+              <a:t>2-minute warning via EC2 metadata endpoint (169.254.169.254) or via CloudWatch event </a:t>
             </a:r>
           </a:p>
           <a:p>
